--- a/Qty_Dashboard.pptx
+++ b/Qty_Dashboard.pptx
@@ -1,12 +1,11 @@
 
 <file path=ppt/presentation.xml><?xml version="1.0" encoding="utf-8"?>
-<p:presentation xmlns:a="http://schemas.openxmlformats.org/drawingml/2006/main" xmlns:p="http://schemas.openxmlformats.org/presentationml/2006/main" xmlns:r="http://schemas.openxmlformats.org/officeDocument/2006/relationships" saveSubsetFonts="1">
+<p:presentation xmlns:a="http://schemas.openxmlformats.org/drawingml/2006/main" xmlns:r="http://schemas.openxmlformats.org/officeDocument/2006/relationships" xmlns:p="http://schemas.openxmlformats.org/presentationml/2006/main" saveSubsetFonts="1">
   <p:sldMasterIdLst>
     <p:sldMasterId id="2147483648" r:id="rId1"/>
   </p:sldMasterIdLst>
   <p:sldIdLst>
-    <p:sldId id="256" r:id="rId6"/>
-    <p:sldId id="257" r:id="rId7"/>
+    <p:sldId id="257" r:id="rId2"/>
   </p:sldIdLst>
   <p:sldSz cx="12192000" cy="6858000"/>
   <p:notesSz cx="6858000" cy="9144000"/>
@@ -14,8 +13,8 @@
     <a:defPPr>
       <a:defRPr lang="en-US"/>
     </a:defPPr>
-    <a:lvl1pPr algn="l" defTabSz="914400" eaLnBrk="1" hangingPunct="1" latinLnBrk="0" marL="0" rtl="0">
-      <a:defRPr kern="1200" sz="1800">
+    <a:lvl1pPr marL="0" algn="l" defTabSz="914400" rtl="0" eaLnBrk="1" latinLnBrk="0" hangingPunct="1">
+      <a:defRPr sz="1800" kern="1200">
         <a:solidFill>
           <a:schemeClr val="tx1"/>
         </a:solidFill>
@@ -24,8 +23,8 @@
         <a:cs typeface="+mn-cs"/>
       </a:defRPr>
     </a:lvl1pPr>
-    <a:lvl2pPr algn="l" defTabSz="914400" eaLnBrk="1" hangingPunct="1" latinLnBrk="0" marL="457200" rtl="0">
-      <a:defRPr kern="1200" sz="1800">
+    <a:lvl2pPr marL="457200" algn="l" defTabSz="914400" rtl="0" eaLnBrk="1" latinLnBrk="0" hangingPunct="1">
+      <a:defRPr sz="1800" kern="1200">
         <a:solidFill>
           <a:schemeClr val="tx1"/>
         </a:solidFill>
@@ -34,8 +33,8 @@
         <a:cs typeface="+mn-cs"/>
       </a:defRPr>
     </a:lvl2pPr>
-    <a:lvl3pPr algn="l" defTabSz="914400" eaLnBrk="1" hangingPunct="1" latinLnBrk="0" marL="914400" rtl="0">
-      <a:defRPr kern="1200" sz="1800">
+    <a:lvl3pPr marL="914400" algn="l" defTabSz="914400" rtl="0" eaLnBrk="1" latinLnBrk="0" hangingPunct="1">
+      <a:defRPr sz="1800" kern="1200">
         <a:solidFill>
           <a:schemeClr val="tx1"/>
         </a:solidFill>
@@ -44,8 +43,8 @@
         <a:cs typeface="+mn-cs"/>
       </a:defRPr>
     </a:lvl3pPr>
-    <a:lvl4pPr algn="l" defTabSz="914400" eaLnBrk="1" hangingPunct="1" latinLnBrk="0" marL="1371600" rtl="0">
-      <a:defRPr kern="1200" sz="1800">
+    <a:lvl4pPr marL="1371600" algn="l" defTabSz="914400" rtl="0" eaLnBrk="1" latinLnBrk="0" hangingPunct="1">
+      <a:defRPr sz="1800" kern="1200">
         <a:solidFill>
           <a:schemeClr val="tx1"/>
         </a:solidFill>
@@ -54,8 +53,8 @@
         <a:cs typeface="+mn-cs"/>
       </a:defRPr>
     </a:lvl4pPr>
-    <a:lvl5pPr algn="l" defTabSz="914400" eaLnBrk="1" hangingPunct="1" latinLnBrk="0" marL="1828800" rtl="0">
-      <a:defRPr kern="1200" sz="1800">
+    <a:lvl5pPr marL="1828800" algn="l" defTabSz="914400" rtl="0" eaLnBrk="1" latinLnBrk="0" hangingPunct="1">
+      <a:defRPr sz="1800" kern="1200">
         <a:solidFill>
           <a:schemeClr val="tx1"/>
         </a:solidFill>
@@ -64,8 +63,8 @@
         <a:cs typeface="+mn-cs"/>
       </a:defRPr>
     </a:lvl5pPr>
-    <a:lvl6pPr algn="l" defTabSz="914400" eaLnBrk="1" hangingPunct="1" latinLnBrk="0" marL="2286000" rtl="0">
-      <a:defRPr kern="1200" sz="1800">
+    <a:lvl6pPr marL="2286000" algn="l" defTabSz="914400" rtl="0" eaLnBrk="1" latinLnBrk="0" hangingPunct="1">
+      <a:defRPr sz="1800" kern="1200">
         <a:solidFill>
           <a:schemeClr val="tx1"/>
         </a:solidFill>
@@ -74,8 +73,8 @@
         <a:cs typeface="+mn-cs"/>
       </a:defRPr>
     </a:lvl6pPr>
-    <a:lvl7pPr algn="l" defTabSz="914400" eaLnBrk="1" hangingPunct="1" latinLnBrk="0" marL="2743200" rtl="0">
-      <a:defRPr kern="1200" sz="1800">
+    <a:lvl7pPr marL="2743200" algn="l" defTabSz="914400" rtl="0" eaLnBrk="1" latinLnBrk="0" hangingPunct="1">
+      <a:defRPr sz="1800" kern="1200">
         <a:solidFill>
           <a:schemeClr val="tx1"/>
         </a:solidFill>
@@ -84,8 +83,8 @@
         <a:cs typeface="+mn-cs"/>
       </a:defRPr>
     </a:lvl7pPr>
-    <a:lvl8pPr algn="l" defTabSz="914400" eaLnBrk="1" hangingPunct="1" latinLnBrk="0" marL="3200400" rtl="0">
-      <a:defRPr kern="1200" sz="1800">
+    <a:lvl8pPr marL="3200400" algn="l" defTabSz="914400" rtl="0" eaLnBrk="1" latinLnBrk="0" hangingPunct="1">
+      <a:defRPr sz="1800" kern="1200">
         <a:solidFill>
           <a:schemeClr val="tx1"/>
         </a:solidFill>
@@ -94,8 +93,8 @@
         <a:cs typeface="+mn-cs"/>
       </a:defRPr>
     </a:lvl8pPr>
-    <a:lvl9pPr algn="l" defTabSz="914400" eaLnBrk="1" hangingPunct="1" latinLnBrk="0" marL="3657600" rtl="0">
-      <a:defRPr kern="1200" sz="1800">
+    <a:lvl9pPr marL="3657600" algn="l" defTabSz="914400" rtl="0" eaLnBrk="1" latinLnBrk="0" hangingPunct="1">
+      <a:defRPr sz="1800" kern="1200">
         <a:solidFill>
           <a:schemeClr val="tx1"/>
         </a:solidFill>
@@ -105,6 +104,11 @@
       </a:defRPr>
     </a:lvl9pPr>
   </p:defaultTextStyle>
+  <p:extLst>
+    <p:ext uri="{EFAFB233-063F-42B5-8137-9DF3F51BA10A}">
+      <p15:sldGuideLst xmlns:p15="http://schemas.microsoft.com/office/powerpoint/2012/main"/>
+    </p:ext>
+  </p:extLst>
 </p:presentation>
 </file>
 
@@ -255,7 +259,7 @@
           <a:p>
             <a:fld id="{EED1C14C-A143-42F5-B247-D0E800131009}" type="datetimeFigureOut">
               <a:rPr lang="en-US" smtClean="0"/>
-              <a:t>8/15/2018</a:t>
+              <a:t>6/28/2020</a:t>
             </a:fld>
             <a:endParaRPr lang="en-US"/>
           </a:p>
@@ -453,7 +457,7 @@
           <a:p>
             <a:fld id="{EED1C14C-A143-42F5-B247-D0E800131009}" type="datetimeFigureOut">
               <a:rPr lang="en-US" smtClean="0"/>
-              <a:t>8/15/2018</a:t>
+              <a:t>6/28/2020</a:t>
             </a:fld>
             <a:endParaRPr lang="en-US"/>
           </a:p>
@@ -661,7 +665,7 @@
           <a:p>
             <a:fld id="{EED1C14C-A143-42F5-B247-D0E800131009}" type="datetimeFigureOut">
               <a:rPr lang="en-US" smtClean="0"/>
-              <a:t>8/15/2018</a:t>
+              <a:t>6/28/2020</a:t>
             </a:fld>
             <a:endParaRPr lang="en-US"/>
           </a:p>
@@ -859,7 +863,7 @@
           <a:p>
             <a:fld id="{EED1C14C-A143-42F5-B247-D0E800131009}" type="datetimeFigureOut">
               <a:rPr lang="en-US" smtClean="0"/>
-              <a:t>8/15/2018</a:t>
+              <a:t>6/28/2020</a:t>
             </a:fld>
             <a:endParaRPr lang="en-US"/>
           </a:p>
@@ -1134,7 +1138,7 @@
           <a:p>
             <a:fld id="{EED1C14C-A143-42F5-B247-D0E800131009}" type="datetimeFigureOut">
               <a:rPr lang="en-US" smtClean="0"/>
-              <a:t>8/15/2018</a:t>
+              <a:t>6/28/2020</a:t>
             </a:fld>
             <a:endParaRPr lang="en-US"/>
           </a:p>
@@ -1399,7 +1403,7 @@
           <a:p>
             <a:fld id="{EED1C14C-A143-42F5-B247-D0E800131009}" type="datetimeFigureOut">
               <a:rPr lang="en-US" smtClean="0"/>
-              <a:t>8/15/2018</a:t>
+              <a:t>6/28/2020</a:t>
             </a:fld>
             <a:endParaRPr lang="en-US"/>
           </a:p>
@@ -1811,7 +1815,7 @@
           <a:p>
             <a:fld id="{EED1C14C-A143-42F5-B247-D0E800131009}" type="datetimeFigureOut">
               <a:rPr lang="en-US" smtClean="0"/>
-              <a:t>8/15/2018</a:t>
+              <a:t>6/28/2020</a:t>
             </a:fld>
             <a:endParaRPr lang="en-US"/>
           </a:p>
@@ -1952,7 +1956,7 @@
           <a:p>
             <a:fld id="{EED1C14C-A143-42F5-B247-D0E800131009}" type="datetimeFigureOut">
               <a:rPr lang="en-US" smtClean="0"/>
-              <a:t>8/15/2018</a:t>
+              <a:t>6/28/2020</a:t>
             </a:fld>
             <a:endParaRPr lang="en-US"/>
           </a:p>
@@ -2065,7 +2069,7 @@
           <a:p>
             <a:fld id="{EED1C14C-A143-42F5-B247-D0E800131009}" type="datetimeFigureOut">
               <a:rPr lang="en-US" smtClean="0"/>
-              <a:t>8/15/2018</a:t>
+              <a:t>6/28/2020</a:t>
             </a:fld>
             <a:endParaRPr lang="en-US"/>
           </a:p>
@@ -2376,7 +2380,7 @@
           <a:p>
             <a:fld id="{EED1C14C-A143-42F5-B247-D0E800131009}" type="datetimeFigureOut">
               <a:rPr lang="en-US" smtClean="0"/>
-              <a:t>8/15/2018</a:t>
+              <a:t>6/28/2020</a:t>
             </a:fld>
             <a:endParaRPr lang="en-US"/>
           </a:p>
@@ -2664,7 +2668,7 @@
           <a:p>
             <a:fld id="{EED1C14C-A143-42F5-B247-D0E800131009}" type="datetimeFigureOut">
               <a:rPr lang="en-US" smtClean="0"/>
-              <a:t>8/15/2018</a:t>
+              <a:t>6/28/2020</a:t>
             </a:fld>
             <a:endParaRPr lang="en-US"/>
           </a:p>
@@ -2905,7 +2909,7 @@
           <a:p>
             <a:fld id="{EED1C14C-A143-42F5-B247-D0E800131009}" type="datetimeFigureOut">
               <a:rPr lang="en-US" smtClean="0"/>
-              <a:t>8/15/2018</a:t>
+              <a:t>6/28/2020</a:t>
             </a:fld>
             <a:endParaRPr lang="en-US"/>
           </a:p>
@@ -3306,93 +3310,7 @@
 </file>
 
 <file path=ppt/slides/slide1.xml><?xml version="1.0" encoding="utf-8"?>
-<p:sld xmlns:a="http://schemas.openxmlformats.org/drawingml/2006/main" xmlns:p="http://schemas.openxmlformats.org/presentationml/2006/main" xmlns:r="http://schemas.openxmlformats.org/officeDocument/2006/relationships">
-  <p:cSld>
-    <p:spTree>
-      <p:nvGrpSpPr>
-        <p:cNvPr id="1" name=""/>
-        <p:cNvGrpSpPr/>
-        <p:nvPr/>
-      </p:nvGrpSpPr>
-      <p:grpSpPr>
-        <a:xfrm>
-          <a:off x="0" y="0"/>
-          <a:ext cx="0" cy="0"/>
-          <a:chOff x="0" y="0"/>
-          <a:chExt cx="0" cy="0"/>
-        </a:xfrm>
-      </p:grpSpPr>
-      <p:sp>
-        <p:nvSpPr>
-          <p:cNvPr id="0" name="slide1">
-            <a:extLst>
-              <a:ext uri="{FF2B5EF4-FFF2-40B4-BE49-F238E27FC236}">
-                <a16:creationId xmlns:a16="http://schemas.microsoft.com/office/drawing/2014/main" id="{63694F66-CA2F-44CD-B0E2-5938773CC402}"/>
-              </a:ext>
-            </a:extLst>
-          </p:cNvPr>
-          <p:cNvSpPr>
-            <a:spLocks noGrp="1"/>
-          </p:cNvSpPr>
-          <p:nvPr>
-            <p:ph idx="0" type="ctrTitle"/>
-          </p:nvPr>
-        </p:nvSpPr>
-        <p:spPr/>
-        <p:txBody>
-          <a:bodyPr/>
-          <a:lstStyle/>
-          <a:p>
-            <a:r>
-              <a:rPr/>
-              <a:t>Qty_Dashboard</a:t>
-            </a:r>
-          </a:p>
-        </p:txBody>
-      </p:sp>
-      <p:sp>
-        <p:nvSpPr>
-          <p:cNvPr id="1" name="slide1">
-            <a:extLst>
-              <a:ext uri="{FF2B5EF4-FFF2-40B4-BE49-F238E27FC236}">
-                <a16:creationId xmlns:a16="http://schemas.microsoft.com/office/drawing/2014/main" id="{82CF0A45-D47F-408E-81AB-21A92EDB625A}"/>
-              </a:ext>
-            </a:extLst>
-          </p:cNvPr>
-          <p:cNvSpPr>
-            <a:spLocks noGrp="1"/>
-          </p:cNvSpPr>
-          <p:nvPr>
-            <p:ph idx="1" type="subTitle"/>
-          </p:nvPr>
-        </p:nvSpPr>
-        <p:spPr/>
-        <p:txBody>
-          <a:bodyPr/>
-          <a:lstStyle/>
-          <a:p>
-            <a:r>
-              <a:rPr/>
-              <a:t>File created on: 6/28/2020 9:38:54 PM</a:t>
-            </a:r>
-          </a:p>
-        </p:txBody>
-      </p:sp>
-    </p:spTree>
-    <p:extLst>
-      <p:ext uri="{BB962C8B-B14F-4D97-AF65-F5344CB8AC3E}">
-        <p14:creationId xmlns:p14="http://schemas.microsoft.com/office/powerpoint/2010/main" val="95992585"/>
-      </p:ext>
-    </p:extLst>
-  </p:cSld>
-  <p:clrMapOvr>
-    <a:masterClrMapping/>
-  </p:clrMapOvr>
-</p:sld>
-</file>
-
-<file path=ppt/slides/slide2.xml><?xml version="1.0" encoding="utf-8"?>
-<p:sld xmlns:a="http://schemas.openxmlformats.org/drawingml/2006/main" xmlns:p="http://schemas.openxmlformats.org/presentationml/2006/main" xmlns:r="http://schemas.openxmlformats.org/officeDocument/2006/relationships">
+<p:sld xmlns:a="http://schemas.openxmlformats.org/drawingml/2006/main" xmlns:r="http://schemas.openxmlformats.org/officeDocument/2006/relationships" xmlns:p="http://schemas.openxmlformats.org/presentationml/2006/main">
   <p:cSld>
     <p:spTree>
       <p:nvGrpSpPr>
@@ -3410,7 +3328,7 @@
       </p:grpSpPr>
       <p:pic>
         <p:nvPicPr>
-          <p:cNvPr descr="Dashboard 1" id="2" name="slide2">
+          <p:cNvPr id="2" name="slide2" descr="Dashboard 1">
             <a:extLst>
               <a:ext uri="{FF2B5EF4-FFF2-40B4-BE49-F238E27FC236}">
                 <a16:creationId xmlns:a16="http://schemas.microsoft.com/office/drawing/2014/main" id="{F091E8BE-7627-4A61-91BE-FD10DFC78E3A}"/>
@@ -3423,7 +3341,7 @@
           <p:nvPr/>
         </p:nvPicPr>
         <p:blipFill>
-          <a:blip r:embed="rId7">
+          <a:blip r:embed="rId2">
             <a:extLst>
               <a:ext uri="{28A0092B-C50C-407E-A947-70E740481C1C}">
                 <a14:useLocalDpi xmlns:a14="http://schemas.microsoft.com/office/drawing/2010/main" val="0"/>
@@ -3444,36 +3362,6 @@
           </a:prstGeom>
         </p:spPr>
       </p:pic>
-    </p:spTree>
-    <p:extLst>
-      <p:ext uri="{BB962C8B-B14F-4D97-AF65-F5344CB8AC3E}">
-        <p14:creationId xmlns:p14="http://schemas.microsoft.com/office/powerpoint/2010/main" val="95992585"/>
-      </p:ext>
-    </p:extLst>
-  </p:cSld>
-  <p:clrMapOvr>
-    <a:masterClrMapping/>
-  </p:clrMapOvr>
-</p:sld>
-</file>
-
-<file path=ppt/slides/slideTemplate.xml><?xml version="1.0" encoding="utf-8"?>
-<p:sld xmlns:a="http://schemas.openxmlformats.org/drawingml/2006/main" xmlns:r="http://schemas.openxmlformats.org/officeDocument/2006/relationships" xmlns:p="http://schemas.openxmlformats.org/presentationml/2006/main">
-  <p:cSld>
-    <p:spTree>
-      <p:nvGrpSpPr>
-        <p:cNvPr id="1" name=""/>
-        <p:cNvGrpSpPr/>
-        <p:nvPr/>
-      </p:nvGrpSpPr>
-      <p:grpSpPr>
-        <a:xfrm>
-          <a:off x="0" y="0"/>
-          <a:ext cx="0" cy="0"/>
-          <a:chOff x="0" y="0"/>
-          <a:chExt cx="0" cy="0"/>
-        </a:xfrm>
-      </p:grpSpPr>
     </p:spTree>
     <p:extLst>
       <p:ext uri="{BB962C8B-B14F-4D97-AF65-F5344CB8AC3E}">
